--- a/projectStructure.pptx
+++ b/projectStructure.pptx
@@ -4780,9 +4780,45 @@
         </p:blipFill>
         <p:spPr>
           <a:xfrm>
-            <a:off x="265873" y="1141412"/>
-            <a:ext cx="4802253" cy="5495926"/>
-          </a:xfrm>
+            <a:off x="3866323" y="1030580"/>
+            <a:ext cx="3539053" cy="5606758"/>
+          </a:xfrm>
+        </p:spPr>
+      </p:pic>
+      <p:pic>
+        <p:nvPicPr>
+          <p:cNvPr id="4" name="그림 3">
+            <a:extLst>
+              <a:ext uri="{FF2B5EF4-FFF2-40B4-BE49-F238E27FC236}">
+                <a16:creationId xmlns:a16="http://schemas.microsoft.com/office/drawing/2014/main" id="{F2DDD6B6-E705-B7F3-A878-5DE53E329DAA}"/>
+              </a:ext>
+            </a:extLst>
+          </p:cNvPr>
+          <p:cNvPicPr>
+            <a:picLocks noChangeAspect="1"/>
+          </p:cNvPicPr>
+          <p:nvPr/>
+        </p:nvPicPr>
+        <p:blipFill>
+          <a:blip r:embed="rId3">
+            <a:extLst>
+              <a:ext uri="{28A0092B-C50C-407E-A947-70E740481C1C}">
+                <a14:useLocalDpi xmlns:a14="http://schemas.microsoft.com/office/drawing/2010/main" val="0"/>
+              </a:ext>
+            </a:extLst>
+          </a:blip>
+          <a:stretch>
+            <a:fillRect/>
+          </a:stretch>
+        </p:blipFill>
+        <p:spPr>
+          <a:xfrm>
+            <a:off x="118547" y="1030580"/>
+            <a:ext cx="3539053" cy="5606758"/>
+          </a:xfrm>
+          <a:prstGeom prst="rect">
+            <a:avLst/>
+          </a:prstGeom>
         </p:spPr>
       </p:pic>
     </p:spTree>
